--- a/Docs/Detectarea plagiatului în text.pptx
+++ b/Docs/Detectarea plagiatului în text.pptx
@@ -18917,7 +18917,7 @@
                   <a:schemeClr val="lt1"/>
                 </a:solidFill>
               </a:rPr>
-              <a:t>Am folosit 16-grame.</a:t>
+              <a:t>Am folosit 16-grame de caractere.</a:t>
             </a:r>
             <a:endParaRPr>
               <a:solidFill>
@@ -19193,7 +19193,7 @@
             <a:tbl>
               <a:tblPr>
                 <a:noFill/>
-                <a:tableStyleId>{E98F0B4B-AFB7-4705-B9D9-93C5BEEDB3ED}</a:tableStyleId>
+                <a:tableStyleId>{A4DB09BE-83A5-4B7B-8EC1-5033D8A8F313}</a:tableStyleId>
               </a:tblPr>
               <a:tblGrid>
                 <a:gridCol w="2508850"/>
